--- a/clase 7/clase 7.pptx
+++ b/clase 7/clase 7.pptx
@@ -10705,7 +10705,12 @@
             <p:ph idx="1"/>
           </p:nvPr>
         </p:nvSpPr>
-        <p:spPr/>
+        <p:spPr>
+          <a:xfrm>
+            <a:off x="628650" y="1211587"/>
+            <a:ext cx="5195101" cy="4954464"/>
+          </a:xfrm>
+        </p:spPr>
         <p:txBody>
           <a:bodyPr/>
           <a:lstStyle/>
@@ -10860,10 +10865,15 @@
             <p:ph idx="1"/>
           </p:nvPr>
         </p:nvSpPr>
-        <p:spPr/>
+        <p:spPr>
+          <a:xfrm>
+            <a:off x="628650" y="1211587"/>
+            <a:ext cx="4227435" cy="4954464"/>
+          </a:xfrm>
+        </p:spPr>
         <p:txBody>
           <a:bodyPr>
-            <a:normAutofit/>
+            <a:normAutofit lnSpcReduction="10000"/>
           </a:bodyPr>
           <a:lstStyle/>
           <a:p>
@@ -11123,7 +11133,12 @@
             <p:ph idx="1"/>
           </p:nvPr>
         </p:nvSpPr>
-        <p:spPr/>
+        <p:spPr>
+          <a:xfrm>
+            <a:off x="628650" y="1211587"/>
+            <a:ext cx="3711527" cy="4954464"/>
+          </a:xfrm>
+        </p:spPr>
         <p:txBody>
           <a:bodyPr/>
           <a:lstStyle/>
@@ -11496,7 +11511,7 @@
         </p:blipFill>
         <p:spPr bwMode="auto">
           <a:xfrm>
-            <a:off x="1156677" y="4882863"/>
+            <a:off x="1156677" y="4696432"/>
             <a:ext cx="6946900" cy="1549400"/>
           </a:xfrm>
           <a:prstGeom prst="roundRect">
@@ -11557,7 +11572,12 @@
             <p:ph idx="1"/>
           </p:nvPr>
         </p:nvSpPr>
-        <p:spPr/>
+        <p:spPr>
+          <a:xfrm>
+            <a:off x="628650" y="1211587"/>
+            <a:ext cx="4363622" cy="4954464"/>
+          </a:xfrm>
+        </p:spPr>
         <p:txBody>
           <a:bodyPr/>
           <a:lstStyle/>
@@ -11791,7 +11811,12 @@
             <p:ph idx="1"/>
           </p:nvPr>
         </p:nvSpPr>
-        <p:spPr/>
+        <p:spPr>
+          <a:xfrm>
+            <a:off x="628650" y="1211587"/>
+            <a:ext cx="4209680" cy="4954464"/>
+          </a:xfrm>
+        </p:spPr>
         <p:txBody>
           <a:bodyPr/>
           <a:lstStyle/>
